--- a/Daily Agendas/Day8.1_MotionPractice1D.pptx
+++ b/Daily Agendas/Day8.1_MotionPractice1D.pptx
@@ -304,7 +304,7 @@
             <a:fld id="{1D8BD707-D9CF-40AE-B4C6-C98DA3205C09}" type="datetimeFigureOut">
               <a:rPr lang="en-US" smtClean="0"/>
               <a:pPr/>
-              <a:t>10/15/2019</a:t>
+              <a:t>10/21/2019</a:t>
             </a:fld>
             <a:endParaRPr lang="en-US"/>
           </a:p>
@@ -469,7 +469,7 @@
             <a:fld id="{1D8BD707-D9CF-40AE-B4C6-C98DA3205C09}" type="datetimeFigureOut">
               <a:rPr lang="en-US" smtClean="0"/>
               <a:pPr/>
-              <a:t>10/15/2019</a:t>
+              <a:t>10/21/2019</a:t>
             </a:fld>
             <a:endParaRPr lang="en-US"/>
           </a:p>
@@ -644,7 +644,7 @@
             <a:fld id="{1D8BD707-D9CF-40AE-B4C6-C98DA3205C09}" type="datetimeFigureOut">
               <a:rPr lang="en-US" smtClean="0"/>
               <a:pPr/>
-              <a:t>10/15/2019</a:t>
+              <a:t>10/21/2019</a:t>
             </a:fld>
             <a:endParaRPr lang="en-US"/>
           </a:p>
@@ -809,7 +809,7 @@
             <a:fld id="{1D8BD707-D9CF-40AE-B4C6-C98DA3205C09}" type="datetimeFigureOut">
               <a:rPr lang="en-US" smtClean="0"/>
               <a:pPr/>
-              <a:t>10/15/2019</a:t>
+              <a:t>10/21/2019</a:t>
             </a:fld>
             <a:endParaRPr lang="en-US"/>
           </a:p>
@@ -1051,7 +1051,7 @@
             <a:fld id="{1D8BD707-D9CF-40AE-B4C6-C98DA3205C09}" type="datetimeFigureOut">
               <a:rPr lang="en-US" smtClean="0"/>
               <a:pPr/>
-              <a:t>10/15/2019</a:t>
+              <a:t>10/21/2019</a:t>
             </a:fld>
             <a:endParaRPr lang="en-US"/>
           </a:p>
@@ -1333,7 +1333,7 @@
             <a:fld id="{1D8BD707-D9CF-40AE-B4C6-C98DA3205C09}" type="datetimeFigureOut">
               <a:rPr lang="en-US" smtClean="0"/>
               <a:pPr/>
-              <a:t>10/15/2019</a:t>
+              <a:t>10/21/2019</a:t>
             </a:fld>
             <a:endParaRPr lang="en-US"/>
           </a:p>
@@ -1749,7 +1749,7 @@
             <a:fld id="{1D8BD707-D9CF-40AE-B4C6-C98DA3205C09}" type="datetimeFigureOut">
               <a:rPr lang="en-US" smtClean="0"/>
               <a:pPr/>
-              <a:t>10/15/2019</a:t>
+              <a:t>10/21/2019</a:t>
             </a:fld>
             <a:endParaRPr lang="en-US"/>
           </a:p>
@@ -1863,7 +1863,7 @@
             <a:fld id="{1D8BD707-D9CF-40AE-B4C6-C98DA3205C09}" type="datetimeFigureOut">
               <a:rPr lang="en-US" smtClean="0"/>
               <a:pPr/>
-              <a:t>10/15/2019</a:t>
+              <a:t>10/21/2019</a:t>
             </a:fld>
             <a:endParaRPr lang="en-US"/>
           </a:p>
@@ -1955,7 +1955,7 @@
             <a:fld id="{1D8BD707-D9CF-40AE-B4C6-C98DA3205C09}" type="datetimeFigureOut">
               <a:rPr lang="en-US" smtClean="0"/>
               <a:pPr/>
-              <a:t>10/15/2019</a:t>
+              <a:t>10/21/2019</a:t>
             </a:fld>
             <a:endParaRPr lang="en-US"/>
           </a:p>
@@ -2227,7 +2227,7 @@
             <a:fld id="{1D8BD707-D9CF-40AE-B4C6-C98DA3205C09}" type="datetimeFigureOut">
               <a:rPr lang="en-US" smtClean="0"/>
               <a:pPr/>
-              <a:t>10/15/2019</a:t>
+              <a:t>10/21/2019</a:t>
             </a:fld>
             <a:endParaRPr lang="en-US"/>
           </a:p>
@@ -2476,7 +2476,7 @@
             <a:fld id="{1D8BD707-D9CF-40AE-B4C6-C98DA3205C09}" type="datetimeFigureOut">
               <a:rPr lang="en-US" smtClean="0"/>
               <a:pPr/>
-              <a:t>10/15/2019</a:t>
+              <a:t>10/21/2019</a:t>
             </a:fld>
             <a:endParaRPr lang="en-US"/>
           </a:p>
@@ -2684,7 +2684,7 @@
             <a:fld id="{1D8BD707-D9CF-40AE-B4C6-C98DA3205C09}" type="datetimeFigureOut">
               <a:rPr lang="en-US" smtClean="0"/>
               <a:pPr/>
-              <a:t>10/15/2019</a:t>
+              <a:t>10/21/2019</a:t>
             </a:fld>
             <a:endParaRPr lang="en-US"/>
           </a:p>
@@ -3078,11 +3078,7 @@
             </a:r>
             <a:r>
               <a:rPr lang="en-US" dirty="0" smtClean="0"/>
-              <a:t>– Oct </a:t>
-            </a:r>
-            <a:r>
-              <a:rPr lang="en-US" dirty="0" smtClean="0"/>
-              <a:t>21</a:t>
+              <a:t>– Oct 21</a:t>
             </a:r>
             <a:r>
               <a:rPr lang="en-US" dirty="0"/>
@@ -3112,7 +3108,7 @@
         <p:spPr/>
         <p:txBody>
           <a:bodyPr>
-            <a:normAutofit lnSpcReduction="10000"/>
+            <a:normAutofit/>
           </a:bodyPr>
           <a:lstStyle/>
           <a:p>
@@ -3124,41 +3120,47 @@
           <a:p>
             <a:pPr lvl="1"/>
             <a:r>
+              <a:rPr lang="en-CA" dirty="0" smtClean="0"/>
+              <a:t>Supply Day</a:t>
+            </a:r>
+          </a:p>
+          <a:p>
+            <a:pPr lvl="1"/>
+            <a:r>
+              <a:rPr lang="en-CA" dirty="0" smtClean="0"/>
+              <a:t>Today: </a:t>
+            </a:r>
+            <a:r>
+              <a:rPr lang="en-CA" dirty="0" smtClean="0"/>
+              <a:t>1D Motion Problems</a:t>
+            </a:r>
+          </a:p>
+          <a:p>
+            <a:pPr lvl="2"/>
+            <a:r>
+              <a:rPr lang="en-CA" dirty="0" smtClean="0"/>
+              <a:t>Textbook Questions</a:t>
+            </a:r>
+          </a:p>
+          <a:p>
+            <a:pPr lvl="1"/>
+            <a:r>
               <a:rPr lang="en-CA" smtClean="0"/>
-              <a:t>Supply Day</a:t>
-            </a:r>
-          </a:p>
-          <a:p>
-            <a:pPr lvl="1"/>
+              <a:t>Tomorrow:  </a:t>
+            </a:r>
+            <a:r>
+              <a:rPr lang="en-CA" dirty="0" smtClean="0"/>
+              <a:t>Position &amp; </a:t>
+            </a:r>
             <a:r>
               <a:rPr lang="en-CA" smtClean="0"/>
-              <a:t>Discussion</a:t>
-            </a:r>
-            <a:r>
-              <a:rPr lang="en-CA" dirty="0" smtClean="0"/>
-              <a:t>: 1D Motion Problems</a:t>
-            </a:r>
-          </a:p>
-          <a:p>
-            <a:pPr lvl="2"/>
-            <a:r>
-              <a:rPr lang="en-CA" dirty="0" smtClean="0"/>
-              <a:t>Sample Questions</a:t>
-            </a:r>
-          </a:p>
-          <a:p>
-            <a:pPr lvl="2"/>
-            <a:r>
-              <a:rPr lang="en-CA" dirty="0" smtClean="0"/>
-              <a:t>Partner Activity</a:t>
-            </a:r>
-          </a:p>
-          <a:p>
-            <a:pPr lvl="1"/>
-            <a:r>
-              <a:rPr lang="en-CA" dirty="0" smtClean="0"/>
-              <a:t>Worksheet:  Position &amp; Displacement Practice</a:t>
-            </a:r>
+              <a:t>Displacement </a:t>
+            </a:r>
+            <a:r>
+              <a:rPr lang="en-CA" smtClean="0"/>
+              <a:t>Practice W/S</a:t>
+            </a:r>
+            <a:endParaRPr lang="en-CA" dirty="0" smtClean="0"/>
           </a:p>
           <a:p>
             <a:pPr lvl="1">
